--- a/documentação/Canva/Canva.pptx
+++ b/documentação/Canva/Canva.pptx
@@ -105,6 +105,11 @@
       </a:defRPr>
     </a:lvl9pPr>
   </p:defaultTextStyle>
+  <p:extLst>
+    <p:ext uri="{EFAFB233-063F-42B5-8137-9DF3F51BA10A}">
+      <p15:sldGuideLst xmlns:p15="http://schemas.microsoft.com/office/powerpoint/2012/main"/>
+    </p:ext>
+  </p:extLst>
 </p:presentation>
 </file>
 
@@ -255,7 +260,7 @@
           <a:p>
             <a:fld id="{DCB33630-EB3D-436D-ABBB-B16F389CCFE9}" type="datetimeFigureOut">
               <a:rPr lang="pt-BR" smtClean="0"/>
-              <a:t>07/09/2020</a:t>
+              <a:t>11/09/2020</a:t>
             </a:fld>
             <a:endParaRPr lang="pt-BR"/>
           </a:p>
@@ -453,7 +458,7 @@
           <a:p>
             <a:fld id="{DCB33630-EB3D-436D-ABBB-B16F389CCFE9}" type="datetimeFigureOut">
               <a:rPr lang="pt-BR" smtClean="0"/>
-              <a:t>07/09/2020</a:t>
+              <a:t>11/09/2020</a:t>
             </a:fld>
             <a:endParaRPr lang="pt-BR"/>
           </a:p>
@@ -661,7 +666,7 @@
           <a:p>
             <a:fld id="{DCB33630-EB3D-436D-ABBB-B16F389CCFE9}" type="datetimeFigureOut">
               <a:rPr lang="pt-BR" smtClean="0"/>
-              <a:t>07/09/2020</a:t>
+              <a:t>11/09/2020</a:t>
             </a:fld>
             <a:endParaRPr lang="pt-BR"/>
           </a:p>
@@ -859,7 +864,7 @@
           <a:p>
             <a:fld id="{DCB33630-EB3D-436D-ABBB-B16F389CCFE9}" type="datetimeFigureOut">
               <a:rPr lang="pt-BR" smtClean="0"/>
-              <a:t>07/09/2020</a:t>
+              <a:t>11/09/2020</a:t>
             </a:fld>
             <a:endParaRPr lang="pt-BR"/>
           </a:p>
@@ -1134,7 +1139,7 @@
           <a:p>
             <a:fld id="{DCB33630-EB3D-436D-ABBB-B16F389CCFE9}" type="datetimeFigureOut">
               <a:rPr lang="pt-BR" smtClean="0"/>
-              <a:t>07/09/2020</a:t>
+              <a:t>11/09/2020</a:t>
             </a:fld>
             <a:endParaRPr lang="pt-BR"/>
           </a:p>
@@ -1399,7 +1404,7 @@
           <a:p>
             <a:fld id="{DCB33630-EB3D-436D-ABBB-B16F389CCFE9}" type="datetimeFigureOut">
               <a:rPr lang="pt-BR" smtClean="0"/>
-              <a:t>07/09/2020</a:t>
+              <a:t>11/09/2020</a:t>
             </a:fld>
             <a:endParaRPr lang="pt-BR"/>
           </a:p>
@@ -1811,7 +1816,7 @@
           <a:p>
             <a:fld id="{DCB33630-EB3D-436D-ABBB-B16F389CCFE9}" type="datetimeFigureOut">
               <a:rPr lang="pt-BR" smtClean="0"/>
-              <a:t>07/09/2020</a:t>
+              <a:t>11/09/2020</a:t>
             </a:fld>
             <a:endParaRPr lang="pt-BR"/>
           </a:p>
@@ -1952,7 +1957,7 @@
           <a:p>
             <a:fld id="{DCB33630-EB3D-436D-ABBB-B16F389CCFE9}" type="datetimeFigureOut">
               <a:rPr lang="pt-BR" smtClean="0"/>
-              <a:t>07/09/2020</a:t>
+              <a:t>11/09/2020</a:t>
             </a:fld>
             <a:endParaRPr lang="pt-BR"/>
           </a:p>
@@ -2065,7 +2070,7 @@
           <a:p>
             <a:fld id="{DCB33630-EB3D-436D-ABBB-B16F389CCFE9}" type="datetimeFigureOut">
               <a:rPr lang="pt-BR" smtClean="0"/>
-              <a:t>07/09/2020</a:t>
+              <a:t>11/09/2020</a:t>
             </a:fld>
             <a:endParaRPr lang="pt-BR"/>
           </a:p>
@@ -2376,7 +2381,7 @@
           <a:p>
             <a:fld id="{DCB33630-EB3D-436D-ABBB-B16F389CCFE9}" type="datetimeFigureOut">
               <a:rPr lang="pt-BR" smtClean="0"/>
-              <a:t>07/09/2020</a:t>
+              <a:t>11/09/2020</a:t>
             </a:fld>
             <a:endParaRPr lang="pt-BR"/>
           </a:p>
@@ -2664,7 +2669,7 @@
           <a:p>
             <a:fld id="{DCB33630-EB3D-436D-ABBB-B16F389CCFE9}" type="datetimeFigureOut">
               <a:rPr lang="pt-BR" smtClean="0"/>
-              <a:t>07/09/2020</a:t>
+              <a:t>11/09/2020</a:t>
             </a:fld>
             <a:endParaRPr lang="pt-BR"/>
           </a:p>
@@ -2905,7 +2910,7 @@
           <a:p>
             <a:fld id="{DCB33630-EB3D-436D-ABBB-B16F389CCFE9}" type="datetimeFigureOut">
               <a:rPr lang="pt-BR" smtClean="0"/>
-              <a:t>07/09/2020</a:t>
+              <a:t>11/09/2020</a:t>
             </a:fld>
             <a:endParaRPr lang="pt-BR"/>
           </a:p>
@@ -3602,10 +3607,10 @@
       </p:pic>
       <p:grpSp>
         <p:nvGrpSpPr>
-          <p:cNvPr id="1024" name="Agrupar 1023">
-            <a:extLst>
-              <a:ext uri="{FF2B5EF4-FFF2-40B4-BE49-F238E27FC236}">
-                <a16:creationId xmlns:a16="http://schemas.microsoft.com/office/drawing/2014/main" id="{FE264B5B-154D-4FE1-B619-D42A2E861BB6}"/>
+          <p:cNvPr id="3" name="Agrupar 2">
+            <a:extLst>
+              <a:ext uri="{FF2B5EF4-FFF2-40B4-BE49-F238E27FC236}">
+                <a16:creationId xmlns:a16="http://schemas.microsoft.com/office/drawing/2014/main" id="{15FD3FF4-6BCE-4764-A82B-4F2E36572531}"/>
               </a:ext>
             </a:extLst>
           </p:cNvPr>
@@ -3616,1183 +3621,1172 @@
           <a:xfrm>
             <a:off x="861772" y="931998"/>
             <a:ext cx="10468456" cy="5793567"/>
-            <a:chOff x="4426607" y="403568"/>
+            <a:chOff x="861772" y="931998"/>
             <a:chExt cx="10468456" cy="5793567"/>
           </a:xfrm>
         </p:grpSpPr>
-        <p:grpSp>
-          <p:nvGrpSpPr>
-            <p:cNvPr id="63" name="Agrupar 62">
+        <p:pic>
+          <p:nvPicPr>
+            <p:cNvPr id="5" name="Imagem 4">
               <a:extLst>
                 <a:ext uri="{FF2B5EF4-FFF2-40B4-BE49-F238E27FC236}">
-                  <a16:creationId xmlns:a16="http://schemas.microsoft.com/office/drawing/2014/main" id="{8C0B1FF8-16A0-4FE2-BF44-B2C0382719F7}"/>
+                  <a16:creationId xmlns:a16="http://schemas.microsoft.com/office/drawing/2014/main" id="{E5028188-A4D7-4A37-8CF1-96ECDF2FA7D1}"/>
                 </a:ext>
               </a:extLst>
             </p:cNvPr>
-            <p:cNvGrpSpPr/>
+            <p:cNvPicPr>
+              <a:picLocks noChangeAspect="1"/>
+            </p:cNvPicPr>
             <p:nvPr/>
-          </p:nvGrpSpPr>
-          <p:grpSpPr>
+          </p:nvPicPr>
+          <p:blipFill>
+            <a:blip r:embed="rId3"/>
+            <a:stretch>
+              <a:fillRect/>
+            </a:stretch>
+          </p:blipFill>
+          <p:spPr>
             <a:xfrm>
-              <a:off x="4426607" y="403568"/>
+              <a:off x="861772" y="931998"/>
               <a:ext cx="10468456" cy="5793567"/>
-              <a:chOff x="769007" y="893898"/>
-              <a:chExt cx="10468456" cy="5793567"/>
             </a:xfrm>
-          </p:grpSpPr>
-          <p:grpSp>
-            <p:nvGrpSpPr>
-              <p:cNvPr id="50" name="Agrupar 49">
-                <a:extLst>
-                  <a:ext uri="{FF2B5EF4-FFF2-40B4-BE49-F238E27FC236}">
-                    <a16:creationId xmlns:a16="http://schemas.microsoft.com/office/drawing/2014/main" id="{ABF9CB79-C639-415E-9000-A5E51BFB604F}"/>
-                  </a:ext>
-                </a:extLst>
-              </p:cNvPr>
-              <p:cNvGrpSpPr/>
-              <p:nvPr/>
-            </p:nvGrpSpPr>
-            <p:grpSpPr>
-              <a:xfrm>
-                <a:off x="769007" y="893898"/>
-                <a:ext cx="10468456" cy="5793567"/>
-                <a:chOff x="861772" y="926026"/>
-                <a:chExt cx="10468456" cy="5793567"/>
-              </a:xfrm>
-            </p:grpSpPr>
-            <p:pic>
-              <p:nvPicPr>
-                <p:cNvPr id="5" name="Imagem 4">
-                  <a:extLst>
-                    <a:ext uri="{FF2B5EF4-FFF2-40B4-BE49-F238E27FC236}">
-                      <a16:creationId xmlns:a16="http://schemas.microsoft.com/office/drawing/2014/main" id="{E5028188-A4D7-4A37-8CF1-96ECDF2FA7D1}"/>
-                    </a:ext>
-                  </a:extLst>
-                </p:cNvPr>
-                <p:cNvPicPr>
-                  <a:picLocks noChangeAspect="1"/>
-                </p:cNvPicPr>
-                <p:nvPr/>
-              </p:nvPicPr>
-              <p:blipFill>
-                <a:blip r:embed="rId3"/>
-                <a:stretch>
-                  <a:fillRect/>
-                </a:stretch>
-              </p:blipFill>
-              <p:spPr>
-                <a:xfrm>
-                  <a:off x="861772" y="926026"/>
-                  <a:ext cx="10468456" cy="5793567"/>
-                </a:xfrm>
-                <a:prstGeom prst="rect">
-                  <a:avLst/>
-                </a:prstGeom>
-              </p:spPr>
-            </p:pic>
-            <p:sp>
-              <p:nvSpPr>
-                <p:cNvPr id="2" name="Retângulo 1">
-                  <a:extLst>
-                    <a:ext uri="{FF2B5EF4-FFF2-40B4-BE49-F238E27FC236}">
-                      <a16:creationId xmlns:a16="http://schemas.microsoft.com/office/drawing/2014/main" id="{5F71918F-BFBD-49D5-A1D0-D2EFDD21843C}"/>
-                    </a:ext>
-                  </a:extLst>
-                </p:cNvPr>
-                <p:cNvSpPr/>
-                <p:nvPr/>
-              </p:nvSpPr>
-              <p:spPr>
-                <a:xfrm>
-                  <a:off x="1073426" y="1849681"/>
-                  <a:ext cx="1736035" cy="747745"/>
-                </a:xfrm>
-                <a:prstGeom prst="rect">
-                  <a:avLst/>
-                </a:prstGeom>
-                <a:ln>
-                  <a:noFill/>
-                </a:ln>
-              </p:spPr>
-              <p:style>
-                <a:lnRef idx="2">
-                  <a:schemeClr val="accent1">
-                    <a:shade val="50000"/>
-                  </a:schemeClr>
-                </a:lnRef>
-                <a:fillRef idx="1">
-                  <a:schemeClr val="accent1"/>
-                </a:fillRef>
-                <a:effectRef idx="0">
-                  <a:schemeClr val="accent1"/>
-                </a:effectRef>
-                <a:fontRef idx="minor">
-                  <a:schemeClr val="lt1"/>
-                </a:fontRef>
-              </p:style>
-              <p:txBody>
-                <a:bodyPr rtlCol="0" anchor="ctr"/>
-                <a:lstStyle/>
-                <a:p>
-                  <a:pPr algn="ctr"/>
-                  <a:r>
-                    <a:rPr lang="pt-BR" dirty="0"/>
-                    <a:t>Franqueados fastfood</a:t>
-                  </a:r>
-                </a:p>
-              </p:txBody>
-            </p:sp>
-            <p:sp>
-              <p:nvSpPr>
-                <p:cNvPr id="10" name="Retângulo 9">
-                  <a:extLst>
-                    <a:ext uri="{FF2B5EF4-FFF2-40B4-BE49-F238E27FC236}">
-                      <a16:creationId xmlns:a16="http://schemas.microsoft.com/office/drawing/2014/main" id="{6D5A7458-A786-4247-BB94-19702B0F50BF}"/>
-                    </a:ext>
-                  </a:extLst>
-                </p:cNvPr>
-                <p:cNvSpPr/>
-                <p:nvPr/>
-              </p:nvSpPr>
-              <p:spPr>
-                <a:xfrm>
-                  <a:off x="1094435" y="5604352"/>
-                  <a:ext cx="1428777" cy="666297"/>
-                </a:xfrm>
-                <a:prstGeom prst="rect">
-                  <a:avLst/>
-                </a:prstGeom>
-                <a:solidFill>
-                  <a:schemeClr val="accent2"/>
-                </a:solidFill>
-                <a:ln>
-                  <a:noFill/>
-                </a:ln>
-              </p:spPr>
-              <p:style>
-                <a:lnRef idx="2">
-                  <a:schemeClr val="accent1">
-                    <a:shade val="50000"/>
-                  </a:schemeClr>
-                </a:lnRef>
-                <a:fillRef idx="1">
-                  <a:schemeClr val="accent1"/>
-                </a:fillRef>
-                <a:effectRef idx="0">
-                  <a:schemeClr val="accent1"/>
-                </a:effectRef>
-                <a:fontRef idx="minor">
-                  <a:schemeClr val="lt1"/>
-                </a:fontRef>
-              </p:style>
-              <p:txBody>
-                <a:bodyPr rtlCol="0" anchor="ctr"/>
-                <a:lstStyle/>
-                <a:p>
-                  <a:pPr algn="ctr"/>
-                  <a:r>
-                    <a:rPr lang="pt-BR" dirty="0"/>
-                    <a:t>Nuvem</a:t>
-                  </a:r>
-                </a:p>
-              </p:txBody>
-            </p:sp>
-            <p:sp>
-              <p:nvSpPr>
-                <p:cNvPr id="12" name="Retângulo 11">
-                  <a:extLst>
-                    <a:ext uri="{FF2B5EF4-FFF2-40B4-BE49-F238E27FC236}">
-                      <a16:creationId xmlns:a16="http://schemas.microsoft.com/office/drawing/2014/main" id="{AD124170-4ECF-4D41-84F0-27B3D6959DC5}"/>
-                    </a:ext>
-                  </a:extLst>
-                </p:cNvPr>
-                <p:cNvSpPr/>
-                <p:nvPr/>
-              </p:nvSpPr>
-              <p:spPr>
-                <a:xfrm>
-                  <a:off x="2642785" y="5915509"/>
-                  <a:ext cx="1891371" cy="567606"/>
-                </a:xfrm>
-                <a:prstGeom prst="rect">
-                  <a:avLst/>
-                </a:prstGeom>
-                <a:solidFill>
-                  <a:schemeClr val="accent2"/>
-                </a:solidFill>
-                <a:ln>
-                  <a:noFill/>
-                </a:ln>
-              </p:spPr>
-              <p:style>
-                <a:lnRef idx="2">
-                  <a:schemeClr val="accent1">
-                    <a:shade val="50000"/>
-                  </a:schemeClr>
-                </a:lnRef>
-                <a:fillRef idx="1">
-                  <a:schemeClr val="accent1"/>
-                </a:fillRef>
-                <a:effectRef idx="0">
-                  <a:schemeClr val="accent1"/>
-                </a:effectRef>
-                <a:fontRef idx="minor">
-                  <a:schemeClr val="lt1"/>
-                </a:fontRef>
-              </p:style>
-              <p:txBody>
-                <a:bodyPr rtlCol="0" anchor="ctr"/>
-                <a:lstStyle/>
-                <a:p>
-                  <a:pPr algn="ctr"/>
-                  <a:r>
-                    <a:rPr lang="pt-BR" dirty="0"/>
-                    <a:t>Desenvolvimento</a:t>
-                  </a:r>
-                </a:p>
-              </p:txBody>
-            </p:sp>
-            <p:sp>
-              <p:nvSpPr>
-                <p:cNvPr id="16" name="Retângulo 15">
-                  <a:extLst>
-                    <a:ext uri="{FF2B5EF4-FFF2-40B4-BE49-F238E27FC236}">
-                      <a16:creationId xmlns:a16="http://schemas.microsoft.com/office/drawing/2014/main" id="{8614310B-112E-4CE7-AB16-D8E98546EBFC}"/>
-                    </a:ext>
-                  </a:extLst>
-                </p:cNvPr>
-                <p:cNvSpPr/>
-                <p:nvPr/>
-              </p:nvSpPr>
-              <p:spPr>
-                <a:xfrm>
-                  <a:off x="4814165" y="5835011"/>
-                  <a:ext cx="1077945" cy="567607"/>
-                </a:xfrm>
-                <a:prstGeom prst="rect">
-                  <a:avLst/>
-                </a:prstGeom>
-                <a:solidFill>
-                  <a:schemeClr val="accent2"/>
-                </a:solidFill>
-                <a:ln>
-                  <a:noFill/>
-                </a:ln>
-              </p:spPr>
-              <p:style>
-                <a:lnRef idx="2">
-                  <a:schemeClr val="accent1">
-                    <a:shade val="50000"/>
-                  </a:schemeClr>
-                </a:lnRef>
-                <a:fillRef idx="1">
-                  <a:schemeClr val="accent1"/>
-                </a:fillRef>
-                <a:effectRef idx="0">
-                  <a:schemeClr val="accent1"/>
-                </a:effectRef>
-                <a:fontRef idx="minor">
-                  <a:schemeClr val="lt1"/>
-                </a:fontRef>
-              </p:style>
-              <p:txBody>
-                <a:bodyPr rtlCol="0" anchor="ctr"/>
-                <a:lstStyle/>
-                <a:p>
-                  <a:pPr algn="ctr"/>
-                  <a:r>
-                    <a:rPr lang="pt-BR" dirty="0"/>
-                    <a:t>Suporte</a:t>
-                  </a:r>
-                </a:p>
-              </p:txBody>
-            </p:sp>
-            <p:sp>
-              <p:nvSpPr>
-                <p:cNvPr id="18" name="Retângulo 17">
-                  <a:extLst>
-                    <a:ext uri="{FF2B5EF4-FFF2-40B4-BE49-F238E27FC236}">
-                      <a16:creationId xmlns:a16="http://schemas.microsoft.com/office/drawing/2014/main" id="{31B1A091-EB12-4570-882F-14229FE68255}"/>
-                    </a:ext>
-                  </a:extLst>
-                </p:cNvPr>
-                <p:cNvSpPr/>
-                <p:nvPr/>
-              </p:nvSpPr>
-              <p:spPr>
-                <a:xfrm>
-                  <a:off x="6299891" y="5685930"/>
-                  <a:ext cx="1403075" cy="747745"/>
-                </a:xfrm>
-                <a:prstGeom prst="rect">
-                  <a:avLst/>
-                </a:prstGeom>
-                <a:solidFill>
-                  <a:schemeClr val="accent4"/>
-                </a:solidFill>
-                <a:ln>
-                  <a:noFill/>
-                </a:ln>
-              </p:spPr>
-              <p:style>
-                <a:lnRef idx="2">
-                  <a:schemeClr val="accent1">
-                    <a:shade val="50000"/>
-                  </a:schemeClr>
-                </a:lnRef>
-                <a:fillRef idx="1">
-                  <a:schemeClr val="accent1"/>
-                </a:fillRef>
-                <a:effectRef idx="0">
-                  <a:schemeClr val="accent1"/>
-                </a:effectRef>
-                <a:fontRef idx="minor">
-                  <a:schemeClr val="lt1"/>
-                </a:fontRef>
-              </p:style>
-              <p:txBody>
-                <a:bodyPr rtlCol="0" anchor="ctr"/>
-                <a:lstStyle/>
-                <a:p>
-                  <a:pPr algn="ctr"/>
-                  <a:r>
-                    <a:rPr lang="pt-BR" dirty="0"/>
-                    <a:t>Mensalidade</a:t>
-                  </a:r>
-                </a:p>
-              </p:txBody>
-            </p:sp>
-            <p:sp>
-              <p:nvSpPr>
-                <p:cNvPr id="20" name="Retângulo 19">
-                  <a:extLst>
-                    <a:ext uri="{FF2B5EF4-FFF2-40B4-BE49-F238E27FC236}">
-                      <a16:creationId xmlns:a16="http://schemas.microsoft.com/office/drawing/2014/main" id="{9017E97C-5C07-4610-BB21-ADEE56382F9A}"/>
-                    </a:ext>
-                  </a:extLst>
-                </p:cNvPr>
-                <p:cNvSpPr/>
-                <p:nvPr/>
-              </p:nvSpPr>
-              <p:spPr>
-                <a:xfrm>
-                  <a:off x="7732592" y="5361538"/>
-                  <a:ext cx="1403075" cy="747745"/>
-                </a:xfrm>
-                <a:prstGeom prst="rect">
-                  <a:avLst/>
-                </a:prstGeom>
-                <a:solidFill>
-                  <a:schemeClr val="accent4"/>
-                </a:solidFill>
-                <a:ln>
-                  <a:noFill/>
-                </a:ln>
-              </p:spPr>
-              <p:style>
-                <a:lnRef idx="2">
-                  <a:schemeClr val="accent1">
-                    <a:shade val="50000"/>
-                  </a:schemeClr>
-                </a:lnRef>
-                <a:fillRef idx="1">
-                  <a:schemeClr val="accent1"/>
-                </a:fillRef>
-                <a:effectRef idx="0">
-                  <a:schemeClr val="accent1"/>
-                </a:effectRef>
-                <a:fontRef idx="minor">
-                  <a:schemeClr val="lt1"/>
-                </a:fontRef>
-              </p:style>
-              <p:txBody>
-                <a:bodyPr rtlCol="0" anchor="ctr"/>
-                <a:lstStyle/>
-                <a:p>
-                  <a:pPr algn="ctr"/>
-                  <a:r>
-                    <a:rPr lang="pt-BR" dirty="0"/>
-                    <a:t>Quantidade de máquinas</a:t>
-                  </a:r>
-                </a:p>
-              </p:txBody>
-            </p:sp>
-            <p:sp>
-              <p:nvSpPr>
-                <p:cNvPr id="22" name="Retângulo 21">
-                  <a:extLst>
-                    <a:ext uri="{FF2B5EF4-FFF2-40B4-BE49-F238E27FC236}">
-                      <a16:creationId xmlns:a16="http://schemas.microsoft.com/office/drawing/2014/main" id="{2513DDAB-8E9D-482C-AC25-C9F8F289731E}"/>
-                    </a:ext>
-                  </a:extLst>
-                </p:cNvPr>
-                <p:cNvSpPr/>
-                <p:nvPr/>
-              </p:nvSpPr>
-              <p:spPr>
-                <a:xfrm>
-                  <a:off x="7237151" y="1349381"/>
-                  <a:ext cx="1403075" cy="747745"/>
-                </a:xfrm>
-                <a:prstGeom prst="rect">
-                  <a:avLst/>
-                </a:prstGeom>
-                <a:solidFill>
-                  <a:schemeClr val="accent3"/>
-                </a:solidFill>
-                <a:ln>
-                  <a:noFill/>
-                </a:ln>
-              </p:spPr>
-              <p:style>
-                <a:lnRef idx="2">
-                  <a:schemeClr val="accent1">
-                    <a:shade val="50000"/>
-                  </a:schemeClr>
-                </a:lnRef>
-                <a:fillRef idx="1">
-                  <a:schemeClr val="accent1"/>
-                </a:fillRef>
-                <a:effectRef idx="0">
-                  <a:schemeClr val="accent1"/>
-                </a:effectRef>
-                <a:fontRef idx="minor">
-                  <a:schemeClr val="lt1"/>
-                </a:fontRef>
-              </p:style>
-              <p:txBody>
-                <a:bodyPr rtlCol="0" anchor="ctr"/>
-                <a:lstStyle/>
-                <a:p>
-                  <a:pPr algn="ctr"/>
-                  <a:r>
-                    <a:rPr lang="pt-BR" dirty="0"/>
-                    <a:t>Slack / Telegram</a:t>
-                  </a:r>
-                </a:p>
-              </p:txBody>
-            </p:sp>
-            <p:sp>
-              <p:nvSpPr>
-                <p:cNvPr id="24" name="Retângulo 23">
-                  <a:extLst>
-                    <a:ext uri="{FF2B5EF4-FFF2-40B4-BE49-F238E27FC236}">
-                      <a16:creationId xmlns:a16="http://schemas.microsoft.com/office/drawing/2014/main" id="{6F664D94-3E14-42B9-9FF1-DB5A0A0278AF}"/>
-                    </a:ext>
-                  </a:extLst>
-                </p:cNvPr>
-                <p:cNvSpPr/>
-                <p:nvPr/>
-              </p:nvSpPr>
-              <p:spPr>
-                <a:xfrm>
-                  <a:off x="7732592" y="2146608"/>
-                  <a:ext cx="1403075" cy="747745"/>
-                </a:xfrm>
-                <a:prstGeom prst="rect">
-                  <a:avLst/>
-                </a:prstGeom>
-                <a:solidFill>
-                  <a:schemeClr val="accent3"/>
-                </a:solidFill>
-                <a:ln>
-                  <a:noFill/>
-                </a:ln>
-              </p:spPr>
-              <p:style>
-                <a:lnRef idx="2">
-                  <a:schemeClr val="accent1">
-                    <a:shade val="50000"/>
-                  </a:schemeClr>
-                </a:lnRef>
-                <a:fillRef idx="1">
-                  <a:schemeClr val="accent1"/>
-                </a:fillRef>
-                <a:effectRef idx="0">
-                  <a:schemeClr val="accent1"/>
-                </a:effectRef>
-                <a:fontRef idx="minor">
-                  <a:schemeClr val="lt1"/>
-                </a:fontRef>
-              </p:style>
-              <p:txBody>
-                <a:bodyPr rtlCol="0" anchor="ctr"/>
-                <a:lstStyle/>
-                <a:p>
-                  <a:pPr algn="ctr"/>
-                  <a:r>
-                    <a:rPr lang="pt-BR" dirty="0"/>
-                    <a:t>Help Desk</a:t>
-                  </a:r>
-                </a:p>
-              </p:txBody>
-            </p:sp>
-            <p:sp>
-              <p:nvSpPr>
-                <p:cNvPr id="26" name="Retângulo 25">
-                  <a:extLst>
-                    <a:ext uri="{FF2B5EF4-FFF2-40B4-BE49-F238E27FC236}">
-                      <a16:creationId xmlns:a16="http://schemas.microsoft.com/office/drawing/2014/main" id="{D3A72B01-1E0B-425C-A9D5-57789937F7D0}"/>
-                    </a:ext>
-                  </a:extLst>
-                </p:cNvPr>
-                <p:cNvSpPr/>
-                <p:nvPr/>
-              </p:nvSpPr>
-              <p:spPr>
-                <a:xfrm>
-                  <a:off x="7237150" y="3542396"/>
-                  <a:ext cx="1403075" cy="747745"/>
-                </a:xfrm>
-                <a:prstGeom prst="rect">
-                  <a:avLst/>
-                </a:prstGeom>
-                <a:solidFill>
-                  <a:schemeClr val="accent6"/>
-                </a:solidFill>
-                <a:ln>
-                  <a:noFill/>
-                </a:ln>
-              </p:spPr>
-              <p:style>
-                <a:lnRef idx="2">
-                  <a:schemeClr val="accent1">
-                    <a:shade val="50000"/>
-                  </a:schemeClr>
-                </a:lnRef>
-                <a:fillRef idx="1">
-                  <a:schemeClr val="accent1"/>
-                </a:fillRef>
-                <a:effectRef idx="0">
-                  <a:schemeClr val="accent1"/>
-                </a:effectRef>
-                <a:fontRef idx="minor">
-                  <a:schemeClr val="lt1"/>
-                </a:fontRef>
-              </p:style>
-              <p:txBody>
-                <a:bodyPr rtlCol="0" anchor="ctr"/>
-                <a:lstStyle/>
-                <a:p>
-                  <a:pPr algn="ctr"/>
-                  <a:r>
-                    <a:rPr lang="pt-BR" dirty="0"/>
-                    <a:t>Boca a boca</a:t>
-                  </a:r>
-                </a:p>
-              </p:txBody>
-            </p:sp>
-            <p:sp>
-              <p:nvSpPr>
-                <p:cNvPr id="28" name="Retângulo 27">
-                  <a:extLst>
-                    <a:ext uri="{FF2B5EF4-FFF2-40B4-BE49-F238E27FC236}">
-                      <a16:creationId xmlns:a16="http://schemas.microsoft.com/office/drawing/2014/main" id="{AE8FC230-6AFB-4453-A81F-8FBBFC2B4D1D}"/>
-                    </a:ext>
-                  </a:extLst>
-                </p:cNvPr>
-                <p:cNvSpPr/>
-                <p:nvPr/>
-              </p:nvSpPr>
-              <p:spPr>
-                <a:xfrm>
-                  <a:off x="7702966" y="4348992"/>
-                  <a:ext cx="1403075" cy="747745"/>
-                </a:xfrm>
-                <a:prstGeom prst="rect">
-                  <a:avLst/>
-                </a:prstGeom>
-                <a:solidFill>
-                  <a:schemeClr val="accent6"/>
-                </a:solidFill>
-                <a:ln>
-                  <a:noFill/>
-                </a:ln>
-              </p:spPr>
-              <p:style>
-                <a:lnRef idx="2">
-                  <a:schemeClr val="accent1">
-                    <a:shade val="50000"/>
-                  </a:schemeClr>
-                </a:lnRef>
-                <a:fillRef idx="1">
-                  <a:schemeClr val="accent1"/>
-                </a:fillRef>
-                <a:effectRef idx="0">
-                  <a:schemeClr val="accent1"/>
-                </a:effectRef>
-                <a:fontRef idx="minor">
-                  <a:schemeClr val="lt1"/>
-                </a:fontRef>
-              </p:style>
-              <p:txBody>
-                <a:bodyPr rtlCol="0" anchor="ctr"/>
-                <a:lstStyle/>
-                <a:p>
-                  <a:pPr algn="ctr"/>
-                  <a:r>
-                    <a:rPr lang="pt-BR" dirty="0"/>
-                    <a:t>Divulgação orgânica</a:t>
-                  </a:r>
-                </a:p>
-              </p:txBody>
-            </p:sp>
-            <p:sp>
-              <p:nvSpPr>
-                <p:cNvPr id="30" name="Retângulo 29">
-                  <a:extLst>
-                    <a:ext uri="{FF2B5EF4-FFF2-40B4-BE49-F238E27FC236}">
-                      <a16:creationId xmlns:a16="http://schemas.microsoft.com/office/drawing/2014/main" id="{42F05EF0-80EC-48C8-A3A3-AD6A4146FDA8}"/>
-                    </a:ext>
-                  </a:extLst>
-                </p:cNvPr>
-                <p:cNvSpPr/>
-                <p:nvPr/>
-              </p:nvSpPr>
-              <p:spPr>
-                <a:xfrm>
-                  <a:off x="5394463" y="1660257"/>
-                  <a:ext cx="1289490" cy="521950"/>
-                </a:xfrm>
-                <a:prstGeom prst="rect">
-                  <a:avLst/>
-                </a:prstGeom>
-                <a:solidFill>
-                  <a:schemeClr val="tx1"/>
-                </a:solidFill>
-                <a:ln>
-                  <a:noFill/>
-                </a:ln>
-              </p:spPr>
-              <p:style>
-                <a:lnRef idx="2">
-                  <a:schemeClr val="accent1">
-                    <a:shade val="50000"/>
-                  </a:schemeClr>
-                </a:lnRef>
-                <a:fillRef idx="1">
-                  <a:schemeClr val="accent1"/>
-                </a:fillRef>
-                <a:effectRef idx="0">
-                  <a:schemeClr val="accent1"/>
-                </a:effectRef>
-                <a:fontRef idx="minor">
-                  <a:schemeClr val="lt1"/>
-                </a:fontRef>
-              </p:style>
-              <p:txBody>
-                <a:bodyPr rtlCol="0" anchor="ctr"/>
-                <a:lstStyle/>
-                <a:p>
-                  <a:pPr algn="ctr"/>
-                  <a:r>
-                    <a:rPr lang="pt-BR" dirty="0"/>
-                    <a:t>Agilidade</a:t>
-                  </a:r>
-                </a:p>
-              </p:txBody>
-            </p:sp>
-            <p:sp>
-              <p:nvSpPr>
-                <p:cNvPr id="32" name="Retângulo 31">
-                  <a:extLst>
-                    <a:ext uri="{FF2B5EF4-FFF2-40B4-BE49-F238E27FC236}">
-                      <a16:creationId xmlns:a16="http://schemas.microsoft.com/office/drawing/2014/main" id="{5CB7C6E3-46CA-4712-97CE-36EEBA102D5B}"/>
-                    </a:ext>
-                  </a:extLst>
-                </p:cNvPr>
-                <p:cNvSpPr/>
-                <p:nvPr/>
-              </p:nvSpPr>
-              <p:spPr>
-                <a:xfrm>
-                  <a:off x="5341036" y="2297676"/>
-                  <a:ext cx="1509922" cy="894225"/>
-                </a:xfrm>
-                <a:prstGeom prst="rect">
-                  <a:avLst/>
-                </a:prstGeom>
-                <a:solidFill>
-                  <a:schemeClr val="tx1"/>
-                </a:solidFill>
-                <a:ln>
-                  <a:noFill/>
-                </a:ln>
-              </p:spPr>
-              <p:style>
-                <a:lnRef idx="2">
-                  <a:schemeClr val="accent1">
-                    <a:shade val="50000"/>
-                  </a:schemeClr>
-                </a:lnRef>
-                <a:fillRef idx="1">
-                  <a:schemeClr val="accent1"/>
-                </a:fillRef>
-                <a:effectRef idx="0">
-                  <a:schemeClr val="accent1"/>
-                </a:effectRef>
-                <a:fontRef idx="minor">
-                  <a:schemeClr val="lt1"/>
-                </a:fontRef>
-              </p:style>
-              <p:txBody>
-                <a:bodyPr rtlCol="0" anchor="ctr"/>
-                <a:lstStyle/>
-                <a:p>
-                  <a:pPr algn="ctr"/>
-                  <a:r>
-                    <a:rPr lang="pt-BR" dirty="0"/>
-                    <a:t>Identificação visual do dash</a:t>
-                  </a:r>
-                </a:p>
-              </p:txBody>
-            </p:sp>
-            <p:sp>
-              <p:nvSpPr>
-                <p:cNvPr id="34" name="Retângulo 33">
-                  <a:extLst>
-                    <a:ext uri="{FF2B5EF4-FFF2-40B4-BE49-F238E27FC236}">
-                      <a16:creationId xmlns:a16="http://schemas.microsoft.com/office/drawing/2014/main" id="{5A287CCD-97A2-4AB9-A60A-3765B50A9EA0}"/>
-                    </a:ext>
-                  </a:extLst>
-                </p:cNvPr>
-                <p:cNvSpPr/>
-                <p:nvPr/>
-              </p:nvSpPr>
-              <p:spPr>
-                <a:xfrm>
-                  <a:off x="5353137" y="3321111"/>
-                  <a:ext cx="1509922" cy="818489"/>
-                </a:xfrm>
-                <a:prstGeom prst="rect">
-                  <a:avLst/>
-                </a:prstGeom>
-                <a:solidFill>
-                  <a:schemeClr val="tx1"/>
-                </a:solidFill>
-                <a:ln>
-                  <a:noFill/>
-                </a:ln>
-              </p:spPr>
-              <p:style>
-                <a:lnRef idx="2">
-                  <a:schemeClr val="accent1">
-                    <a:shade val="50000"/>
-                  </a:schemeClr>
-                </a:lnRef>
-                <a:fillRef idx="1">
-                  <a:schemeClr val="accent1"/>
-                </a:fillRef>
-                <a:effectRef idx="0">
-                  <a:schemeClr val="accent1"/>
-                </a:effectRef>
-                <a:fontRef idx="minor">
-                  <a:schemeClr val="lt1"/>
-                </a:fontRef>
-              </p:style>
-              <p:txBody>
-                <a:bodyPr rtlCol="0" anchor="ctr"/>
-                <a:lstStyle/>
-                <a:p>
-                  <a:pPr algn="ctr"/>
-                  <a:r>
-                    <a:rPr lang="pt-BR" dirty="0"/>
-                    <a:t>Redução no tempo de parada</a:t>
-                  </a:r>
-                </a:p>
-              </p:txBody>
-            </p:sp>
-            <p:sp>
-              <p:nvSpPr>
-                <p:cNvPr id="36" name="Retângulo 35">
-                  <a:extLst>
-                    <a:ext uri="{FF2B5EF4-FFF2-40B4-BE49-F238E27FC236}">
-                      <a16:creationId xmlns:a16="http://schemas.microsoft.com/office/drawing/2014/main" id="{C151A942-3B99-4301-9438-E84DACA9AD35}"/>
-                    </a:ext>
-                  </a:extLst>
-                </p:cNvPr>
-                <p:cNvSpPr/>
-                <p:nvPr/>
-              </p:nvSpPr>
-              <p:spPr>
-                <a:xfrm>
-                  <a:off x="9545297" y="1660256"/>
-                  <a:ext cx="1403075" cy="747745"/>
-                </a:xfrm>
-                <a:prstGeom prst="rect">
-                  <a:avLst/>
-                </a:prstGeom>
-                <a:solidFill>
-                  <a:srgbClr val="00B0F0"/>
-                </a:solidFill>
-                <a:ln>
-                  <a:noFill/>
-                </a:ln>
-              </p:spPr>
-              <p:style>
-                <a:lnRef idx="2">
-                  <a:schemeClr val="accent1">
-                    <a:shade val="50000"/>
-                  </a:schemeClr>
-                </a:lnRef>
-                <a:fillRef idx="1">
-                  <a:schemeClr val="accent1"/>
-                </a:fillRef>
-                <a:effectRef idx="0">
-                  <a:schemeClr val="accent1"/>
-                </a:effectRef>
-                <a:fontRef idx="minor">
-                  <a:schemeClr val="lt1"/>
-                </a:fontRef>
-              </p:style>
-              <p:txBody>
-                <a:bodyPr rtlCol="0" anchor="ctr"/>
-                <a:lstStyle/>
-                <a:p>
-                  <a:pPr algn="ctr"/>
-                  <a:r>
-                    <a:rPr lang="pt-BR" dirty="0"/>
-                    <a:t>Analista de suporte</a:t>
-                  </a:r>
-                </a:p>
-              </p:txBody>
-            </p:sp>
-            <p:sp>
-              <p:nvSpPr>
-                <p:cNvPr id="38" name="Retângulo 37">
-                  <a:extLst>
-                    <a:ext uri="{FF2B5EF4-FFF2-40B4-BE49-F238E27FC236}">
-                      <a16:creationId xmlns:a16="http://schemas.microsoft.com/office/drawing/2014/main" id="{55E945F9-AAB6-4F36-98C6-7FA7AF05C1B4}"/>
-                    </a:ext>
-                  </a:extLst>
-                </p:cNvPr>
-                <p:cNvSpPr/>
-                <p:nvPr/>
-              </p:nvSpPr>
-              <p:spPr>
-                <a:xfrm>
-                  <a:off x="9545296" y="2558233"/>
-                  <a:ext cx="1403075" cy="747745"/>
-                </a:xfrm>
-                <a:prstGeom prst="rect">
-                  <a:avLst/>
-                </a:prstGeom>
-                <a:solidFill>
-                  <a:srgbClr val="00B0F0"/>
-                </a:solidFill>
-                <a:ln>
-                  <a:noFill/>
-                </a:ln>
-              </p:spPr>
-              <p:style>
-                <a:lnRef idx="2">
-                  <a:schemeClr val="accent1">
-                    <a:shade val="50000"/>
-                  </a:schemeClr>
-                </a:lnRef>
-                <a:fillRef idx="1">
-                  <a:schemeClr val="accent1"/>
-                </a:fillRef>
-                <a:effectRef idx="0">
-                  <a:schemeClr val="accent1"/>
-                </a:effectRef>
-                <a:fontRef idx="minor">
-                  <a:schemeClr val="lt1"/>
-                </a:fontRef>
-              </p:style>
-              <p:txBody>
-                <a:bodyPr rtlCol="0" anchor="ctr"/>
-                <a:lstStyle/>
-                <a:p>
-                  <a:pPr algn="ctr"/>
-                  <a:r>
-                    <a:rPr lang="pt-BR" dirty="0"/>
-                    <a:t>Franqueado</a:t>
-                  </a:r>
-                </a:p>
-              </p:txBody>
-            </p:sp>
-            <p:sp>
-              <p:nvSpPr>
-                <p:cNvPr id="42" name="Retângulo 41">
-                  <a:extLst>
-                    <a:ext uri="{FF2B5EF4-FFF2-40B4-BE49-F238E27FC236}">
-                      <a16:creationId xmlns:a16="http://schemas.microsoft.com/office/drawing/2014/main" id="{91EC235E-B609-4A74-AFE7-CEDEC880070C}"/>
-                    </a:ext>
-                  </a:extLst>
-                </p:cNvPr>
-                <p:cNvSpPr/>
-                <p:nvPr/>
-              </p:nvSpPr>
-              <p:spPr>
-                <a:xfrm>
-                  <a:off x="3086316" y="1517022"/>
-                  <a:ext cx="1373092" cy="521950"/>
-                </a:xfrm>
-                <a:prstGeom prst="rect">
-                  <a:avLst/>
-                </a:prstGeom>
-                <a:solidFill>
-                  <a:srgbClr val="7030A0"/>
-                </a:solidFill>
-                <a:ln>
-                  <a:noFill/>
-                </a:ln>
-              </p:spPr>
-              <p:style>
-                <a:lnRef idx="2">
-                  <a:schemeClr val="accent1">
-                    <a:shade val="50000"/>
-                  </a:schemeClr>
-                </a:lnRef>
-                <a:fillRef idx="1">
-                  <a:schemeClr val="accent1"/>
-                </a:fillRef>
-                <a:effectRef idx="0">
-                  <a:schemeClr val="accent1"/>
-                </a:effectRef>
-                <a:fontRef idx="minor">
-                  <a:schemeClr val="lt1"/>
-                </a:fontRef>
-              </p:style>
-              <p:txBody>
-                <a:bodyPr rtlCol="0" anchor="ctr"/>
-                <a:lstStyle/>
-                <a:p>
-                  <a:pPr algn="ctr"/>
-                  <a:r>
-                    <a:rPr lang="pt-BR" dirty="0"/>
-                    <a:t>Desenvolver produto</a:t>
-                  </a:r>
-                </a:p>
-              </p:txBody>
-            </p:sp>
-            <p:sp>
-              <p:nvSpPr>
-                <p:cNvPr id="44" name="Retângulo 43">
-                  <a:extLst>
-                    <a:ext uri="{FF2B5EF4-FFF2-40B4-BE49-F238E27FC236}">
-                      <a16:creationId xmlns:a16="http://schemas.microsoft.com/office/drawing/2014/main" id="{022814F8-D1FD-404D-B75D-4F2CDE3739C6}"/>
-                    </a:ext>
-                  </a:extLst>
-                </p:cNvPr>
-                <p:cNvSpPr/>
-                <p:nvPr/>
-              </p:nvSpPr>
-              <p:spPr>
-                <a:xfrm>
-                  <a:off x="3609529" y="2128251"/>
-                  <a:ext cx="1403075" cy="484680"/>
-                </a:xfrm>
-                <a:prstGeom prst="rect">
-                  <a:avLst/>
-                </a:prstGeom>
-                <a:solidFill>
-                  <a:srgbClr val="7030A0"/>
-                </a:solidFill>
-                <a:ln>
-                  <a:noFill/>
-                </a:ln>
-              </p:spPr>
-              <p:style>
-                <a:lnRef idx="2">
-                  <a:schemeClr val="accent1">
-                    <a:shade val="50000"/>
-                  </a:schemeClr>
-                </a:lnRef>
-                <a:fillRef idx="1">
-                  <a:schemeClr val="accent1"/>
-                </a:fillRef>
-                <a:effectRef idx="0">
-                  <a:schemeClr val="accent1"/>
-                </a:effectRef>
-                <a:fontRef idx="minor">
-                  <a:schemeClr val="lt1"/>
-                </a:fontRef>
-              </p:style>
-              <p:txBody>
-                <a:bodyPr rtlCol="0" anchor="ctr"/>
-                <a:lstStyle/>
-                <a:p>
-                  <a:pPr algn="ctr"/>
-                  <a:r>
-                    <a:rPr lang="pt-BR" dirty="0"/>
-                    <a:t>Suporte</a:t>
-                  </a:r>
-                </a:p>
-              </p:txBody>
-            </p:sp>
-            <p:sp>
-              <p:nvSpPr>
-                <p:cNvPr id="46" name="Retângulo 45">
-                  <a:extLst>
-                    <a:ext uri="{FF2B5EF4-FFF2-40B4-BE49-F238E27FC236}">
-                      <a16:creationId xmlns:a16="http://schemas.microsoft.com/office/drawing/2014/main" id="{A326F039-64B7-47FE-9927-A0E24512DC66}"/>
-                    </a:ext>
-                  </a:extLst>
-                </p:cNvPr>
-                <p:cNvSpPr/>
-                <p:nvPr/>
-              </p:nvSpPr>
-              <p:spPr>
-                <a:xfrm>
-                  <a:off x="3079731" y="3606797"/>
-                  <a:ext cx="897909" cy="453155"/>
-                </a:xfrm>
-                <a:prstGeom prst="rect">
-                  <a:avLst/>
-                </a:prstGeom>
-                <a:solidFill>
-                  <a:srgbClr val="FF0000"/>
-                </a:solidFill>
-                <a:ln>
-                  <a:noFill/>
-                </a:ln>
-              </p:spPr>
-              <p:style>
-                <a:lnRef idx="2">
-                  <a:schemeClr val="accent1">
-                    <a:shade val="50000"/>
-                  </a:schemeClr>
-                </a:lnRef>
-                <a:fillRef idx="1">
-                  <a:schemeClr val="accent1"/>
-                </a:fillRef>
-                <a:effectRef idx="0">
-                  <a:schemeClr val="accent1"/>
-                </a:effectRef>
-                <a:fontRef idx="minor">
-                  <a:schemeClr val="lt1"/>
-                </a:fontRef>
-              </p:style>
-              <p:txBody>
-                <a:bodyPr rtlCol="0" anchor="ctr"/>
-                <a:lstStyle/>
-                <a:p>
-                  <a:pPr algn="ctr"/>
-                  <a:r>
-                    <a:rPr lang="pt-BR" dirty="0"/>
-                    <a:t>Totem</a:t>
-                  </a:r>
-                </a:p>
-              </p:txBody>
-            </p:sp>
-            <p:sp>
-              <p:nvSpPr>
-                <p:cNvPr id="48" name="Retângulo 47">
-                  <a:extLst>
-                    <a:ext uri="{FF2B5EF4-FFF2-40B4-BE49-F238E27FC236}">
-                      <a16:creationId xmlns:a16="http://schemas.microsoft.com/office/drawing/2014/main" id="{50230090-0039-4643-BB96-F3468625D794}"/>
-                    </a:ext>
-                  </a:extLst>
-                </p:cNvPr>
-                <p:cNvSpPr/>
-                <p:nvPr/>
-              </p:nvSpPr>
-              <p:spPr>
-                <a:xfrm>
-                  <a:off x="3772862" y="4168581"/>
-                  <a:ext cx="1055236" cy="469573"/>
-                </a:xfrm>
-                <a:prstGeom prst="rect">
-                  <a:avLst/>
-                </a:prstGeom>
-                <a:solidFill>
-                  <a:srgbClr val="FF0000"/>
-                </a:solidFill>
-                <a:ln>
-                  <a:noFill/>
-                </a:ln>
-              </p:spPr>
-              <p:style>
-                <a:lnRef idx="2">
-                  <a:schemeClr val="accent1">
-                    <a:shade val="50000"/>
-                  </a:schemeClr>
-                </a:lnRef>
-                <a:fillRef idx="1">
-                  <a:schemeClr val="accent1"/>
-                </a:fillRef>
-                <a:effectRef idx="0">
-                  <a:schemeClr val="accent1"/>
-                </a:effectRef>
-                <a:fontRef idx="minor">
-                  <a:schemeClr val="lt1"/>
-                </a:fontRef>
-              </p:style>
-              <p:txBody>
-                <a:bodyPr rtlCol="0" anchor="ctr"/>
-                <a:lstStyle/>
-                <a:p>
-                  <a:pPr algn="ctr"/>
-                  <a:r>
-                    <a:rPr lang="pt-BR" dirty="0"/>
-                    <a:t>Dash</a:t>
-                  </a:r>
-                </a:p>
-              </p:txBody>
-            </p:sp>
-          </p:grpSp>
-          <p:sp>
-            <p:nvSpPr>
-              <p:cNvPr id="59" name="Retângulo 58">
-                <a:extLst>
-                  <a:ext uri="{FF2B5EF4-FFF2-40B4-BE49-F238E27FC236}">
-                    <a16:creationId xmlns:a16="http://schemas.microsoft.com/office/drawing/2014/main" id="{55DF0DBB-8CA2-4E45-80FB-F0BEBF2C077E}"/>
-                  </a:ext>
-                </a:extLst>
-              </p:cNvPr>
-              <p:cNvSpPr/>
-              <p:nvPr/>
-            </p:nvSpPr>
-            <p:spPr>
-              <a:xfrm>
-                <a:off x="9165293" y="5802883"/>
-                <a:ext cx="1783078" cy="747745"/>
-              </a:xfrm>
-              <a:prstGeom prst="rect">
-                <a:avLst/>
-              </a:prstGeom>
-              <a:solidFill>
-                <a:schemeClr val="accent4"/>
-              </a:solidFill>
-              <a:ln>
-                <a:noFill/>
-              </a:ln>
-            </p:spPr>
-            <p:style>
-              <a:lnRef idx="2">
-                <a:schemeClr val="accent1">
-                  <a:shade val="50000"/>
-                </a:schemeClr>
-              </a:lnRef>
-              <a:fillRef idx="1">
-                <a:schemeClr val="accent1"/>
-              </a:fillRef>
-              <a:effectRef idx="0">
-                <a:schemeClr val="accent1"/>
-              </a:effectRef>
-              <a:fontRef idx="minor">
-                <a:schemeClr val="lt1"/>
-              </a:fontRef>
-            </p:style>
-            <p:txBody>
-              <a:bodyPr rtlCol="0" anchor="ctr"/>
-              <a:lstStyle/>
-              <a:p>
-                <a:pPr algn="ctr"/>
-                <a:r>
-                  <a:rPr lang="pt-BR" dirty="0" err="1"/>
-                  <a:t>Tx</a:t>
-                </a:r>
-                <a:r>
-                  <a:rPr lang="pt-BR" dirty="0"/>
-                  <a:t> por compra no totem </a:t>
-                </a:r>
-              </a:p>
-            </p:txBody>
-          </p:sp>
-        </p:grpSp>
+            <a:prstGeom prst="rect">
+              <a:avLst/>
+            </a:prstGeom>
+          </p:spPr>
+        </p:pic>
+        <p:sp>
+          <p:nvSpPr>
+            <p:cNvPr id="2" name="Retângulo 1">
+              <a:extLst>
+                <a:ext uri="{FF2B5EF4-FFF2-40B4-BE49-F238E27FC236}">
+                  <a16:creationId xmlns:a16="http://schemas.microsoft.com/office/drawing/2014/main" id="{5F71918F-BFBD-49D5-A1D0-D2EFDD21843C}"/>
+                </a:ext>
+              </a:extLst>
+            </p:cNvPr>
+            <p:cNvSpPr/>
+            <p:nvPr/>
+          </p:nvSpPr>
+          <p:spPr>
+            <a:xfrm>
+              <a:off x="1073426" y="1855653"/>
+              <a:ext cx="1736035" cy="747745"/>
+            </a:xfrm>
+            <a:prstGeom prst="rect">
+              <a:avLst/>
+            </a:prstGeom>
+            <a:ln>
+              <a:noFill/>
+            </a:ln>
+          </p:spPr>
+          <p:style>
+            <a:lnRef idx="2">
+              <a:schemeClr val="accent1">
+                <a:shade val="50000"/>
+              </a:schemeClr>
+            </a:lnRef>
+            <a:fillRef idx="1">
+              <a:schemeClr val="accent1"/>
+            </a:fillRef>
+            <a:effectRef idx="0">
+              <a:schemeClr val="accent1"/>
+            </a:effectRef>
+            <a:fontRef idx="minor">
+              <a:schemeClr val="lt1"/>
+            </a:fontRef>
+          </p:style>
+          <p:txBody>
+            <a:bodyPr rtlCol="0" anchor="ctr"/>
+            <a:lstStyle/>
+            <a:p>
+              <a:pPr algn="ctr"/>
+              <a:r>
+                <a:rPr lang="pt-BR" dirty="0"/>
+                <a:t>Franqueados fastfood</a:t>
+              </a:r>
+            </a:p>
+          </p:txBody>
+        </p:sp>
+        <p:sp>
+          <p:nvSpPr>
+            <p:cNvPr id="10" name="Retângulo 9">
+              <a:extLst>
+                <a:ext uri="{FF2B5EF4-FFF2-40B4-BE49-F238E27FC236}">
+                  <a16:creationId xmlns:a16="http://schemas.microsoft.com/office/drawing/2014/main" id="{6D5A7458-A786-4247-BB94-19702B0F50BF}"/>
+                </a:ext>
+              </a:extLst>
+            </p:cNvPr>
+            <p:cNvSpPr/>
+            <p:nvPr/>
+          </p:nvSpPr>
+          <p:spPr>
+            <a:xfrm>
+              <a:off x="1094435" y="5610324"/>
+              <a:ext cx="1428777" cy="666297"/>
+            </a:xfrm>
+            <a:prstGeom prst="rect">
+              <a:avLst/>
+            </a:prstGeom>
+            <a:solidFill>
+              <a:schemeClr val="tx2">
+                <a:lumMod val="75000"/>
+              </a:schemeClr>
+            </a:solidFill>
+            <a:ln>
+              <a:noFill/>
+            </a:ln>
+          </p:spPr>
+          <p:style>
+            <a:lnRef idx="2">
+              <a:schemeClr val="accent1">
+                <a:shade val="50000"/>
+              </a:schemeClr>
+            </a:lnRef>
+            <a:fillRef idx="1">
+              <a:schemeClr val="accent1"/>
+            </a:fillRef>
+            <a:effectRef idx="0">
+              <a:schemeClr val="accent1"/>
+            </a:effectRef>
+            <a:fontRef idx="minor">
+              <a:schemeClr val="lt1"/>
+            </a:fontRef>
+          </p:style>
+          <p:txBody>
+            <a:bodyPr rtlCol="0" anchor="ctr"/>
+            <a:lstStyle/>
+            <a:p>
+              <a:pPr algn="ctr"/>
+              <a:r>
+                <a:rPr lang="pt-BR" dirty="0"/>
+                <a:t>Nuvem</a:t>
+              </a:r>
+            </a:p>
+          </p:txBody>
+        </p:sp>
+        <p:sp>
+          <p:nvSpPr>
+            <p:cNvPr id="12" name="Retângulo 11">
+              <a:extLst>
+                <a:ext uri="{FF2B5EF4-FFF2-40B4-BE49-F238E27FC236}">
+                  <a16:creationId xmlns:a16="http://schemas.microsoft.com/office/drawing/2014/main" id="{AD124170-4ECF-4D41-84F0-27B3D6959DC5}"/>
+                </a:ext>
+              </a:extLst>
+            </p:cNvPr>
+            <p:cNvSpPr/>
+            <p:nvPr/>
+          </p:nvSpPr>
+          <p:spPr>
+            <a:xfrm>
+              <a:off x="2642785" y="5921481"/>
+              <a:ext cx="1891371" cy="567606"/>
+            </a:xfrm>
+            <a:prstGeom prst="rect">
+              <a:avLst/>
+            </a:prstGeom>
+            <a:solidFill>
+              <a:schemeClr val="tx2">
+                <a:lumMod val="75000"/>
+              </a:schemeClr>
+            </a:solidFill>
+            <a:ln>
+              <a:noFill/>
+            </a:ln>
+          </p:spPr>
+          <p:style>
+            <a:lnRef idx="2">
+              <a:schemeClr val="accent1">
+                <a:shade val="50000"/>
+              </a:schemeClr>
+            </a:lnRef>
+            <a:fillRef idx="1">
+              <a:schemeClr val="accent1"/>
+            </a:fillRef>
+            <a:effectRef idx="0">
+              <a:schemeClr val="accent1"/>
+            </a:effectRef>
+            <a:fontRef idx="minor">
+              <a:schemeClr val="lt1"/>
+            </a:fontRef>
+          </p:style>
+          <p:txBody>
+            <a:bodyPr rtlCol="0" anchor="ctr"/>
+            <a:lstStyle/>
+            <a:p>
+              <a:pPr algn="ctr"/>
+              <a:r>
+                <a:rPr lang="pt-BR" dirty="0"/>
+                <a:t>Desenvolvimento</a:t>
+              </a:r>
+            </a:p>
+          </p:txBody>
+        </p:sp>
+        <p:sp>
+          <p:nvSpPr>
+            <p:cNvPr id="16" name="Retângulo 15">
+              <a:extLst>
+                <a:ext uri="{FF2B5EF4-FFF2-40B4-BE49-F238E27FC236}">
+                  <a16:creationId xmlns:a16="http://schemas.microsoft.com/office/drawing/2014/main" id="{8614310B-112E-4CE7-AB16-D8E98546EBFC}"/>
+                </a:ext>
+              </a:extLst>
+            </p:cNvPr>
+            <p:cNvSpPr/>
+            <p:nvPr/>
+          </p:nvSpPr>
+          <p:spPr>
+            <a:xfrm>
+              <a:off x="4814165" y="5840983"/>
+              <a:ext cx="1077945" cy="567607"/>
+            </a:xfrm>
+            <a:prstGeom prst="rect">
+              <a:avLst/>
+            </a:prstGeom>
+            <a:solidFill>
+              <a:schemeClr val="tx2">
+                <a:lumMod val="75000"/>
+              </a:schemeClr>
+            </a:solidFill>
+            <a:ln>
+              <a:noFill/>
+            </a:ln>
+          </p:spPr>
+          <p:style>
+            <a:lnRef idx="2">
+              <a:schemeClr val="accent1">
+                <a:shade val="50000"/>
+              </a:schemeClr>
+            </a:lnRef>
+            <a:fillRef idx="1">
+              <a:schemeClr val="accent1"/>
+            </a:fillRef>
+            <a:effectRef idx="0">
+              <a:schemeClr val="accent1"/>
+            </a:effectRef>
+            <a:fontRef idx="minor">
+              <a:schemeClr val="lt1"/>
+            </a:fontRef>
+          </p:style>
+          <p:txBody>
+            <a:bodyPr rtlCol="0" anchor="ctr"/>
+            <a:lstStyle/>
+            <a:p>
+              <a:pPr algn="ctr"/>
+              <a:r>
+                <a:rPr lang="pt-BR" dirty="0"/>
+                <a:t>Suporte</a:t>
+              </a:r>
+            </a:p>
+          </p:txBody>
+        </p:sp>
+        <p:sp>
+          <p:nvSpPr>
+            <p:cNvPr id="18" name="Retângulo 17">
+              <a:extLst>
+                <a:ext uri="{FF2B5EF4-FFF2-40B4-BE49-F238E27FC236}">
+                  <a16:creationId xmlns:a16="http://schemas.microsoft.com/office/drawing/2014/main" id="{31B1A091-EB12-4570-882F-14229FE68255}"/>
+                </a:ext>
+              </a:extLst>
+            </p:cNvPr>
+            <p:cNvSpPr/>
+            <p:nvPr/>
+          </p:nvSpPr>
+          <p:spPr>
+            <a:xfrm>
+              <a:off x="6299891" y="5691902"/>
+              <a:ext cx="1403075" cy="747745"/>
+            </a:xfrm>
+            <a:prstGeom prst="rect">
+              <a:avLst/>
+            </a:prstGeom>
+            <a:solidFill>
+              <a:schemeClr val="tx2">
+                <a:lumMod val="40000"/>
+                <a:lumOff val="60000"/>
+              </a:schemeClr>
+            </a:solidFill>
+            <a:ln>
+              <a:noFill/>
+            </a:ln>
+          </p:spPr>
+          <p:style>
+            <a:lnRef idx="2">
+              <a:schemeClr val="accent1">
+                <a:shade val="50000"/>
+              </a:schemeClr>
+            </a:lnRef>
+            <a:fillRef idx="1">
+              <a:schemeClr val="accent1"/>
+            </a:fillRef>
+            <a:effectRef idx="0">
+              <a:schemeClr val="accent1"/>
+            </a:effectRef>
+            <a:fontRef idx="minor">
+              <a:schemeClr val="lt1"/>
+            </a:fontRef>
+          </p:style>
+          <p:txBody>
+            <a:bodyPr rtlCol="0" anchor="ctr"/>
+            <a:lstStyle/>
+            <a:p>
+              <a:pPr algn="ctr"/>
+              <a:r>
+                <a:rPr lang="pt-BR" dirty="0"/>
+                <a:t>Mensalidade</a:t>
+              </a:r>
+            </a:p>
+          </p:txBody>
+        </p:sp>
+        <p:sp>
+          <p:nvSpPr>
+            <p:cNvPr id="20" name="Retângulo 19">
+              <a:extLst>
+                <a:ext uri="{FF2B5EF4-FFF2-40B4-BE49-F238E27FC236}">
+                  <a16:creationId xmlns:a16="http://schemas.microsoft.com/office/drawing/2014/main" id="{9017E97C-5C07-4610-BB21-ADEE56382F9A}"/>
+                </a:ext>
+              </a:extLst>
+            </p:cNvPr>
+            <p:cNvSpPr/>
+            <p:nvPr/>
+          </p:nvSpPr>
+          <p:spPr>
+            <a:xfrm>
+              <a:off x="7732592" y="5367510"/>
+              <a:ext cx="1403075" cy="747745"/>
+            </a:xfrm>
+            <a:prstGeom prst="rect">
+              <a:avLst/>
+            </a:prstGeom>
+            <a:solidFill>
+              <a:schemeClr val="tx2">
+                <a:lumMod val="40000"/>
+                <a:lumOff val="60000"/>
+              </a:schemeClr>
+            </a:solidFill>
+            <a:ln>
+              <a:noFill/>
+            </a:ln>
+          </p:spPr>
+          <p:style>
+            <a:lnRef idx="2">
+              <a:schemeClr val="accent1">
+                <a:shade val="50000"/>
+              </a:schemeClr>
+            </a:lnRef>
+            <a:fillRef idx="1">
+              <a:schemeClr val="accent1"/>
+            </a:fillRef>
+            <a:effectRef idx="0">
+              <a:schemeClr val="accent1"/>
+            </a:effectRef>
+            <a:fontRef idx="minor">
+              <a:schemeClr val="lt1"/>
+            </a:fontRef>
+          </p:style>
+          <p:txBody>
+            <a:bodyPr rtlCol="0" anchor="ctr"/>
+            <a:lstStyle/>
+            <a:p>
+              <a:pPr algn="ctr"/>
+              <a:r>
+                <a:rPr lang="pt-BR" dirty="0"/>
+                <a:t>Quantidade de máquinas</a:t>
+              </a:r>
+            </a:p>
+          </p:txBody>
+        </p:sp>
+        <p:sp>
+          <p:nvSpPr>
+            <p:cNvPr id="22" name="Retângulo 21">
+              <a:extLst>
+                <a:ext uri="{FF2B5EF4-FFF2-40B4-BE49-F238E27FC236}">
+                  <a16:creationId xmlns:a16="http://schemas.microsoft.com/office/drawing/2014/main" id="{2513DDAB-8E9D-482C-AC25-C9F8F289731E}"/>
+                </a:ext>
+              </a:extLst>
+            </p:cNvPr>
+            <p:cNvSpPr/>
+            <p:nvPr/>
+          </p:nvSpPr>
+          <p:spPr>
+            <a:xfrm>
+              <a:off x="7237151" y="1355353"/>
+              <a:ext cx="1403075" cy="747745"/>
+            </a:xfrm>
+            <a:prstGeom prst="rect">
+              <a:avLst/>
+            </a:prstGeom>
+            <a:solidFill>
+              <a:schemeClr val="tx2">
+                <a:lumMod val="60000"/>
+                <a:lumOff val="40000"/>
+              </a:schemeClr>
+            </a:solidFill>
+            <a:ln>
+              <a:noFill/>
+            </a:ln>
+          </p:spPr>
+          <p:style>
+            <a:lnRef idx="2">
+              <a:schemeClr val="accent1">
+                <a:shade val="50000"/>
+              </a:schemeClr>
+            </a:lnRef>
+            <a:fillRef idx="1">
+              <a:schemeClr val="accent1"/>
+            </a:fillRef>
+            <a:effectRef idx="0">
+              <a:schemeClr val="accent1"/>
+            </a:effectRef>
+            <a:fontRef idx="minor">
+              <a:schemeClr val="lt1"/>
+            </a:fontRef>
+          </p:style>
+          <p:txBody>
+            <a:bodyPr rtlCol="0" anchor="ctr"/>
+            <a:lstStyle/>
+            <a:p>
+              <a:pPr algn="ctr"/>
+              <a:r>
+                <a:rPr lang="pt-BR" dirty="0"/>
+                <a:t>Slack / Telegram</a:t>
+              </a:r>
+            </a:p>
+          </p:txBody>
+        </p:sp>
+        <p:sp>
+          <p:nvSpPr>
+            <p:cNvPr id="24" name="Retângulo 23">
+              <a:extLst>
+                <a:ext uri="{FF2B5EF4-FFF2-40B4-BE49-F238E27FC236}">
+                  <a16:creationId xmlns:a16="http://schemas.microsoft.com/office/drawing/2014/main" id="{6F664D94-3E14-42B9-9FF1-DB5A0A0278AF}"/>
+                </a:ext>
+              </a:extLst>
+            </p:cNvPr>
+            <p:cNvSpPr/>
+            <p:nvPr/>
+          </p:nvSpPr>
+          <p:spPr>
+            <a:xfrm>
+              <a:off x="7732592" y="2152580"/>
+              <a:ext cx="1403075" cy="747745"/>
+            </a:xfrm>
+            <a:prstGeom prst="rect">
+              <a:avLst/>
+            </a:prstGeom>
+            <a:solidFill>
+              <a:schemeClr val="tx2">
+                <a:lumMod val="60000"/>
+                <a:lumOff val="40000"/>
+              </a:schemeClr>
+            </a:solidFill>
+            <a:ln>
+              <a:noFill/>
+            </a:ln>
+          </p:spPr>
+          <p:style>
+            <a:lnRef idx="2">
+              <a:schemeClr val="accent1">
+                <a:shade val="50000"/>
+              </a:schemeClr>
+            </a:lnRef>
+            <a:fillRef idx="1">
+              <a:schemeClr val="accent1"/>
+            </a:fillRef>
+            <a:effectRef idx="0">
+              <a:schemeClr val="accent1"/>
+            </a:effectRef>
+            <a:fontRef idx="minor">
+              <a:schemeClr val="lt1"/>
+            </a:fontRef>
+          </p:style>
+          <p:txBody>
+            <a:bodyPr rtlCol="0" anchor="ctr"/>
+            <a:lstStyle/>
+            <a:p>
+              <a:pPr algn="ctr"/>
+              <a:r>
+                <a:rPr lang="pt-BR" dirty="0"/>
+                <a:t>Help Desk</a:t>
+              </a:r>
+            </a:p>
+          </p:txBody>
+        </p:sp>
+        <p:sp>
+          <p:nvSpPr>
+            <p:cNvPr id="26" name="Retângulo 25">
+              <a:extLst>
+                <a:ext uri="{FF2B5EF4-FFF2-40B4-BE49-F238E27FC236}">
+                  <a16:creationId xmlns:a16="http://schemas.microsoft.com/office/drawing/2014/main" id="{D3A72B01-1E0B-425C-A9D5-57789937F7D0}"/>
+                </a:ext>
+              </a:extLst>
+            </p:cNvPr>
+            <p:cNvSpPr/>
+            <p:nvPr/>
+          </p:nvSpPr>
+          <p:spPr>
+            <a:xfrm>
+              <a:off x="7237150" y="3548368"/>
+              <a:ext cx="1403075" cy="747745"/>
+            </a:xfrm>
+            <a:prstGeom prst="rect">
+              <a:avLst/>
+            </a:prstGeom>
+            <a:solidFill>
+              <a:srgbClr val="002060"/>
+            </a:solidFill>
+            <a:ln>
+              <a:noFill/>
+            </a:ln>
+          </p:spPr>
+          <p:style>
+            <a:lnRef idx="2">
+              <a:schemeClr val="accent1">
+                <a:shade val="50000"/>
+              </a:schemeClr>
+            </a:lnRef>
+            <a:fillRef idx="1">
+              <a:schemeClr val="accent1"/>
+            </a:fillRef>
+            <a:effectRef idx="0">
+              <a:schemeClr val="accent1"/>
+            </a:effectRef>
+            <a:fontRef idx="minor">
+              <a:schemeClr val="lt1"/>
+            </a:fontRef>
+          </p:style>
+          <p:txBody>
+            <a:bodyPr rtlCol="0" anchor="ctr"/>
+            <a:lstStyle/>
+            <a:p>
+              <a:pPr algn="ctr"/>
+              <a:r>
+                <a:rPr lang="pt-BR" dirty="0"/>
+                <a:t>Boca a boca</a:t>
+              </a:r>
+            </a:p>
+          </p:txBody>
+        </p:sp>
+        <p:sp>
+          <p:nvSpPr>
+            <p:cNvPr id="28" name="Retângulo 27">
+              <a:extLst>
+                <a:ext uri="{FF2B5EF4-FFF2-40B4-BE49-F238E27FC236}">
+                  <a16:creationId xmlns:a16="http://schemas.microsoft.com/office/drawing/2014/main" id="{AE8FC230-6AFB-4453-A81F-8FBBFC2B4D1D}"/>
+                </a:ext>
+              </a:extLst>
+            </p:cNvPr>
+            <p:cNvSpPr/>
+            <p:nvPr/>
+          </p:nvSpPr>
+          <p:spPr>
+            <a:xfrm>
+              <a:off x="7702966" y="4354964"/>
+              <a:ext cx="1403075" cy="747745"/>
+            </a:xfrm>
+            <a:prstGeom prst="rect">
+              <a:avLst/>
+            </a:prstGeom>
+            <a:solidFill>
+              <a:srgbClr val="002060"/>
+            </a:solidFill>
+            <a:ln>
+              <a:noFill/>
+            </a:ln>
+          </p:spPr>
+          <p:style>
+            <a:lnRef idx="2">
+              <a:schemeClr val="accent1">
+                <a:shade val="50000"/>
+              </a:schemeClr>
+            </a:lnRef>
+            <a:fillRef idx="1">
+              <a:schemeClr val="accent1"/>
+            </a:fillRef>
+            <a:effectRef idx="0">
+              <a:schemeClr val="accent1"/>
+            </a:effectRef>
+            <a:fontRef idx="minor">
+              <a:schemeClr val="lt1"/>
+            </a:fontRef>
+          </p:style>
+          <p:txBody>
+            <a:bodyPr rtlCol="0" anchor="ctr"/>
+            <a:lstStyle/>
+            <a:p>
+              <a:pPr algn="ctr"/>
+              <a:r>
+                <a:rPr lang="pt-BR" dirty="0"/>
+                <a:t>Divulgação orgânica</a:t>
+              </a:r>
+            </a:p>
+          </p:txBody>
+        </p:sp>
+        <p:sp>
+          <p:nvSpPr>
+            <p:cNvPr id="30" name="Retângulo 29">
+              <a:extLst>
+                <a:ext uri="{FF2B5EF4-FFF2-40B4-BE49-F238E27FC236}">
+                  <a16:creationId xmlns:a16="http://schemas.microsoft.com/office/drawing/2014/main" id="{42F05EF0-80EC-48C8-A3A3-AD6A4146FDA8}"/>
+                </a:ext>
+              </a:extLst>
+            </p:cNvPr>
+            <p:cNvSpPr/>
+            <p:nvPr/>
+          </p:nvSpPr>
+          <p:spPr>
+            <a:xfrm>
+              <a:off x="5394463" y="1666229"/>
+              <a:ext cx="1289490" cy="521950"/>
+            </a:xfrm>
+            <a:prstGeom prst="rect">
+              <a:avLst/>
+            </a:prstGeom>
+            <a:solidFill>
+              <a:schemeClr val="tx1"/>
+            </a:solidFill>
+            <a:ln>
+              <a:noFill/>
+            </a:ln>
+          </p:spPr>
+          <p:style>
+            <a:lnRef idx="2">
+              <a:schemeClr val="accent1">
+                <a:shade val="50000"/>
+              </a:schemeClr>
+            </a:lnRef>
+            <a:fillRef idx="1">
+              <a:schemeClr val="accent1"/>
+            </a:fillRef>
+            <a:effectRef idx="0">
+              <a:schemeClr val="accent1"/>
+            </a:effectRef>
+            <a:fontRef idx="minor">
+              <a:schemeClr val="lt1"/>
+            </a:fontRef>
+          </p:style>
+          <p:txBody>
+            <a:bodyPr rtlCol="0" anchor="ctr"/>
+            <a:lstStyle/>
+            <a:p>
+              <a:pPr algn="ctr"/>
+              <a:r>
+                <a:rPr lang="pt-BR" dirty="0"/>
+                <a:t>Agilidade</a:t>
+              </a:r>
+            </a:p>
+          </p:txBody>
+        </p:sp>
+        <p:sp>
+          <p:nvSpPr>
+            <p:cNvPr id="32" name="Retângulo 31">
+              <a:extLst>
+                <a:ext uri="{FF2B5EF4-FFF2-40B4-BE49-F238E27FC236}">
+                  <a16:creationId xmlns:a16="http://schemas.microsoft.com/office/drawing/2014/main" id="{5CB7C6E3-46CA-4712-97CE-36EEBA102D5B}"/>
+                </a:ext>
+              </a:extLst>
+            </p:cNvPr>
+            <p:cNvSpPr/>
+            <p:nvPr/>
+          </p:nvSpPr>
+          <p:spPr>
+            <a:xfrm>
+              <a:off x="5341036" y="2303648"/>
+              <a:ext cx="1509922" cy="894225"/>
+            </a:xfrm>
+            <a:prstGeom prst="rect">
+              <a:avLst/>
+            </a:prstGeom>
+            <a:solidFill>
+              <a:schemeClr val="tx1"/>
+            </a:solidFill>
+            <a:ln>
+              <a:noFill/>
+            </a:ln>
+          </p:spPr>
+          <p:style>
+            <a:lnRef idx="2">
+              <a:schemeClr val="accent1">
+                <a:shade val="50000"/>
+              </a:schemeClr>
+            </a:lnRef>
+            <a:fillRef idx="1">
+              <a:schemeClr val="accent1"/>
+            </a:fillRef>
+            <a:effectRef idx="0">
+              <a:schemeClr val="accent1"/>
+            </a:effectRef>
+            <a:fontRef idx="minor">
+              <a:schemeClr val="lt1"/>
+            </a:fontRef>
+          </p:style>
+          <p:txBody>
+            <a:bodyPr rtlCol="0" anchor="ctr"/>
+            <a:lstStyle/>
+            <a:p>
+              <a:pPr algn="ctr"/>
+              <a:r>
+                <a:rPr lang="pt-BR" dirty="0"/>
+                <a:t>Identificação visual do dash</a:t>
+              </a:r>
+            </a:p>
+          </p:txBody>
+        </p:sp>
+        <p:sp>
+          <p:nvSpPr>
+            <p:cNvPr id="34" name="Retângulo 33">
+              <a:extLst>
+                <a:ext uri="{FF2B5EF4-FFF2-40B4-BE49-F238E27FC236}">
+                  <a16:creationId xmlns:a16="http://schemas.microsoft.com/office/drawing/2014/main" id="{5A287CCD-97A2-4AB9-A60A-3765B50A9EA0}"/>
+                </a:ext>
+              </a:extLst>
+            </p:cNvPr>
+            <p:cNvSpPr/>
+            <p:nvPr/>
+          </p:nvSpPr>
+          <p:spPr>
+            <a:xfrm>
+              <a:off x="5353137" y="3327083"/>
+              <a:ext cx="1509922" cy="818489"/>
+            </a:xfrm>
+            <a:prstGeom prst="rect">
+              <a:avLst/>
+            </a:prstGeom>
+            <a:solidFill>
+              <a:schemeClr val="tx1"/>
+            </a:solidFill>
+            <a:ln>
+              <a:noFill/>
+            </a:ln>
+          </p:spPr>
+          <p:style>
+            <a:lnRef idx="2">
+              <a:schemeClr val="accent1">
+                <a:shade val="50000"/>
+              </a:schemeClr>
+            </a:lnRef>
+            <a:fillRef idx="1">
+              <a:schemeClr val="accent1"/>
+            </a:fillRef>
+            <a:effectRef idx="0">
+              <a:schemeClr val="accent1"/>
+            </a:effectRef>
+            <a:fontRef idx="minor">
+              <a:schemeClr val="lt1"/>
+            </a:fontRef>
+          </p:style>
+          <p:txBody>
+            <a:bodyPr rtlCol="0" anchor="ctr"/>
+            <a:lstStyle/>
+            <a:p>
+              <a:pPr algn="ctr"/>
+              <a:r>
+                <a:rPr lang="pt-BR" dirty="0"/>
+                <a:t>Redução no tempo de parada</a:t>
+              </a:r>
+            </a:p>
+          </p:txBody>
+        </p:sp>
+        <p:sp>
+          <p:nvSpPr>
+            <p:cNvPr id="36" name="Retângulo 35">
+              <a:extLst>
+                <a:ext uri="{FF2B5EF4-FFF2-40B4-BE49-F238E27FC236}">
+                  <a16:creationId xmlns:a16="http://schemas.microsoft.com/office/drawing/2014/main" id="{C151A942-3B99-4301-9438-E84DACA9AD35}"/>
+                </a:ext>
+              </a:extLst>
+            </p:cNvPr>
+            <p:cNvSpPr/>
+            <p:nvPr/>
+          </p:nvSpPr>
+          <p:spPr>
+            <a:xfrm>
+              <a:off x="9545297" y="1666228"/>
+              <a:ext cx="1403075" cy="747745"/>
+            </a:xfrm>
+            <a:prstGeom prst="rect">
+              <a:avLst/>
+            </a:prstGeom>
+            <a:solidFill>
+              <a:schemeClr val="accent1">
+                <a:lumMod val="60000"/>
+                <a:lumOff val="40000"/>
+              </a:schemeClr>
+            </a:solidFill>
+            <a:ln>
+              <a:noFill/>
+            </a:ln>
+          </p:spPr>
+          <p:style>
+            <a:lnRef idx="2">
+              <a:schemeClr val="accent1">
+                <a:shade val="50000"/>
+              </a:schemeClr>
+            </a:lnRef>
+            <a:fillRef idx="1">
+              <a:schemeClr val="accent1"/>
+            </a:fillRef>
+            <a:effectRef idx="0">
+              <a:schemeClr val="accent1"/>
+            </a:effectRef>
+            <a:fontRef idx="minor">
+              <a:schemeClr val="lt1"/>
+            </a:fontRef>
+          </p:style>
+          <p:txBody>
+            <a:bodyPr rtlCol="0" anchor="ctr"/>
+            <a:lstStyle/>
+            <a:p>
+              <a:pPr algn="ctr"/>
+              <a:r>
+                <a:rPr lang="pt-BR" dirty="0"/>
+                <a:t>Analista de suporte</a:t>
+              </a:r>
+            </a:p>
+          </p:txBody>
+        </p:sp>
+        <p:sp>
+          <p:nvSpPr>
+            <p:cNvPr id="38" name="Retângulo 37">
+              <a:extLst>
+                <a:ext uri="{FF2B5EF4-FFF2-40B4-BE49-F238E27FC236}">
+                  <a16:creationId xmlns:a16="http://schemas.microsoft.com/office/drawing/2014/main" id="{55E945F9-AAB6-4F36-98C6-7FA7AF05C1B4}"/>
+                </a:ext>
+              </a:extLst>
+            </p:cNvPr>
+            <p:cNvSpPr/>
+            <p:nvPr/>
+          </p:nvSpPr>
+          <p:spPr>
+            <a:xfrm>
+              <a:off x="9545296" y="2564205"/>
+              <a:ext cx="1403075" cy="747745"/>
+            </a:xfrm>
+            <a:prstGeom prst="rect">
+              <a:avLst/>
+            </a:prstGeom>
+            <a:solidFill>
+              <a:schemeClr val="accent1">
+                <a:lumMod val="60000"/>
+                <a:lumOff val="40000"/>
+              </a:schemeClr>
+            </a:solidFill>
+            <a:ln>
+              <a:noFill/>
+            </a:ln>
+          </p:spPr>
+          <p:style>
+            <a:lnRef idx="2">
+              <a:schemeClr val="accent1">
+                <a:shade val="50000"/>
+              </a:schemeClr>
+            </a:lnRef>
+            <a:fillRef idx="1">
+              <a:schemeClr val="accent1"/>
+            </a:fillRef>
+            <a:effectRef idx="0">
+              <a:schemeClr val="accent1"/>
+            </a:effectRef>
+            <a:fontRef idx="minor">
+              <a:schemeClr val="lt1"/>
+            </a:fontRef>
+          </p:style>
+          <p:txBody>
+            <a:bodyPr rtlCol="0" anchor="ctr"/>
+            <a:lstStyle/>
+            <a:p>
+              <a:pPr algn="ctr"/>
+              <a:r>
+                <a:rPr lang="pt-BR" dirty="0"/>
+                <a:t>Franqueado</a:t>
+              </a:r>
+            </a:p>
+          </p:txBody>
+        </p:sp>
+        <p:sp>
+          <p:nvSpPr>
+            <p:cNvPr id="42" name="Retângulo 41">
+              <a:extLst>
+                <a:ext uri="{FF2B5EF4-FFF2-40B4-BE49-F238E27FC236}">
+                  <a16:creationId xmlns:a16="http://schemas.microsoft.com/office/drawing/2014/main" id="{91EC235E-B609-4A74-AFE7-CEDEC880070C}"/>
+                </a:ext>
+              </a:extLst>
+            </p:cNvPr>
+            <p:cNvSpPr/>
+            <p:nvPr/>
+          </p:nvSpPr>
+          <p:spPr>
+            <a:xfrm>
+              <a:off x="3086316" y="1522994"/>
+              <a:ext cx="1373092" cy="521950"/>
+            </a:xfrm>
+            <a:prstGeom prst="rect">
+              <a:avLst/>
+            </a:prstGeom>
+            <a:solidFill>
+              <a:schemeClr val="accent1">
+                <a:lumMod val="50000"/>
+              </a:schemeClr>
+            </a:solidFill>
+            <a:ln>
+              <a:noFill/>
+            </a:ln>
+          </p:spPr>
+          <p:style>
+            <a:lnRef idx="2">
+              <a:schemeClr val="accent1">
+                <a:shade val="50000"/>
+              </a:schemeClr>
+            </a:lnRef>
+            <a:fillRef idx="1">
+              <a:schemeClr val="accent1"/>
+            </a:fillRef>
+            <a:effectRef idx="0">
+              <a:schemeClr val="accent1"/>
+            </a:effectRef>
+            <a:fontRef idx="minor">
+              <a:schemeClr val="lt1"/>
+            </a:fontRef>
+          </p:style>
+          <p:txBody>
+            <a:bodyPr rtlCol="0" anchor="ctr"/>
+            <a:lstStyle/>
+            <a:p>
+              <a:pPr algn="ctr"/>
+              <a:r>
+                <a:rPr lang="pt-BR" dirty="0"/>
+                <a:t>Desenvolver produto</a:t>
+              </a:r>
+            </a:p>
+          </p:txBody>
+        </p:sp>
+        <p:sp>
+          <p:nvSpPr>
+            <p:cNvPr id="44" name="Retângulo 43">
+              <a:extLst>
+                <a:ext uri="{FF2B5EF4-FFF2-40B4-BE49-F238E27FC236}">
+                  <a16:creationId xmlns:a16="http://schemas.microsoft.com/office/drawing/2014/main" id="{022814F8-D1FD-404D-B75D-4F2CDE3739C6}"/>
+                </a:ext>
+              </a:extLst>
+            </p:cNvPr>
+            <p:cNvSpPr/>
+            <p:nvPr/>
+          </p:nvSpPr>
+          <p:spPr>
+            <a:xfrm>
+              <a:off x="3609529" y="2134223"/>
+              <a:ext cx="1403075" cy="484680"/>
+            </a:xfrm>
+            <a:prstGeom prst="rect">
+              <a:avLst/>
+            </a:prstGeom>
+            <a:solidFill>
+              <a:schemeClr val="accent1">
+                <a:lumMod val="50000"/>
+              </a:schemeClr>
+            </a:solidFill>
+            <a:ln>
+              <a:noFill/>
+            </a:ln>
+          </p:spPr>
+          <p:style>
+            <a:lnRef idx="2">
+              <a:schemeClr val="accent1">
+                <a:shade val="50000"/>
+              </a:schemeClr>
+            </a:lnRef>
+            <a:fillRef idx="1">
+              <a:schemeClr val="accent1"/>
+            </a:fillRef>
+            <a:effectRef idx="0">
+              <a:schemeClr val="accent1"/>
+            </a:effectRef>
+            <a:fontRef idx="minor">
+              <a:schemeClr val="lt1"/>
+            </a:fontRef>
+          </p:style>
+          <p:txBody>
+            <a:bodyPr rtlCol="0" anchor="ctr"/>
+            <a:lstStyle/>
+            <a:p>
+              <a:pPr algn="ctr"/>
+              <a:r>
+                <a:rPr lang="pt-BR" dirty="0"/>
+                <a:t>Suporte</a:t>
+              </a:r>
+            </a:p>
+          </p:txBody>
+        </p:sp>
+        <p:sp>
+          <p:nvSpPr>
+            <p:cNvPr id="46" name="Retângulo 45">
+              <a:extLst>
+                <a:ext uri="{FF2B5EF4-FFF2-40B4-BE49-F238E27FC236}">
+                  <a16:creationId xmlns:a16="http://schemas.microsoft.com/office/drawing/2014/main" id="{A326F039-64B7-47FE-9927-A0E24512DC66}"/>
+                </a:ext>
+              </a:extLst>
+            </p:cNvPr>
+            <p:cNvSpPr/>
+            <p:nvPr/>
+          </p:nvSpPr>
+          <p:spPr>
+            <a:xfrm>
+              <a:off x="3079731" y="3612769"/>
+              <a:ext cx="897909" cy="453155"/>
+            </a:xfrm>
+            <a:prstGeom prst="rect">
+              <a:avLst/>
+            </a:prstGeom>
+            <a:solidFill>
+              <a:schemeClr val="accent1">
+                <a:lumMod val="75000"/>
+              </a:schemeClr>
+            </a:solidFill>
+            <a:ln>
+              <a:noFill/>
+            </a:ln>
+          </p:spPr>
+          <p:style>
+            <a:lnRef idx="2">
+              <a:schemeClr val="accent1">
+                <a:shade val="50000"/>
+              </a:schemeClr>
+            </a:lnRef>
+            <a:fillRef idx="1">
+              <a:schemeClr val="accent1"/>
+            </a:fillRef>
+            <a:effectRef idx="0">
+              <a:schemeClr val="accent1"/>
+            </a:effectRef>
+            <a:fontRef idx="minor">
+              <a:schemeClr val="lt1"/>
+            </a:fontRef>
+          </p:style>
+          <p:txBody>
+            <a:bodyPr rtlCol="0" anchor="ctr"/>
+            <a:lstStyle/>
+            <a:p>
+              <a:pPr algn="ctr"/>
+              <a:r>
+                <a:rPr lang="pt-BR" dirty="0"/>
+                <a:t>Totem</a:t>
+              </a:r>
+            </a:p>
+          </p:txBody>
+        </p:sp>
+        <p:sp>
+          <p:nvSpPr>
+            <p:cNvPr id="48" name="Retângulo 47">
+              <a:extLst>
+                <a:ext uri="{FF2B5EF4-FFF2-40B4-BE49-F238E27FC236}">
+                  <a16:creationId xmlns:a16="http://schemas.microsoft.com/office/drawing/2014/main" id="{50230090-0039-4643-BB96-F3468625D794}"/>
+                </a:ext>
+              </a:extLst>
+            </p:cNvPr>
+            <p:cNvSpPr/>
+            <p:nvPr/>
+          </p:nvSpPr>
+          <p:spPr>
+            <a:xfrm>
+              <a:off x="3772862" y="4174553"/>
+              <a:ext cx="1055236" cy="469573"/>
+            </a:xfrm>
+            <a:prstGeom prst="rect">
+              <a:avLst/>
+            </a:prstGeom>
+            <a:solidFill>
+              <a:schemeClr val="accent1">
+                <a:lumMod val="75000"/>
+              </a:schemeClr>
+            </a:solidFill>
+            <a:ln>
+              <a:noFill/>
+            </a:ln>
+          </p:spPr>
+          <p:style>
+            <a:lnRef idx="2">
+              <a:schemeClr val="accent1">
+                <a:shade val="50000"/>
+              </a:schemeClr>
+            </a:lnRef>
+            <a:fillRef idx="1">
+              <a:schemeClr val="accent1"/>
+            </a:fillRef>
+            <a:effectRef idx="0">
+              <a:schemeClr val="accent1"/>
+            </a:effectRef>
+            <a:fontRef idx="minor">
+              <a:schemeClr val="lt1"/>
+            </a:fontRef>
+          </p:style>
+          <p:txBody>
+            <a:bodyPr rtlCol="0" anchor="ctr"/>
+            <a:lstStyle/>
+            <a:p>
+              <a:pPr algn="ctr"/>
+              <a:r>
+                <a:rPr lang="pt-BR" dirty="0"/>
+                <a:t>Dash</a:t>
+              </a:r>
+            </a:p>
+          </p:txBody>
+        </p:sp>
+        <p:sp>
+          <p:nvSpPr>
+            <p:cNvPr id="59" name="Retângulo 58">
+              <a:extLst>
+                <a:ext uri="{FF2B5EF4-FFF2-40B4-BE49-F238E27FC236}">
+                  <a16:creationId xmlns:a16="http://schemas.microsoft.com/office/drawing/2014/main" id="{55DF0DBB-8CA2-4E45-80FB-F0BEBF2C077E}"/>
+                </a:ext>
+              </a:extLst>
+            </p:cNvPr>
+            <p:cNvSpPr/>
+            <p:nvPr/>
+          </p:nvSpPr>
+          <p:spPr>
+            <a:xfrm>
+              <a:off x="9258058" y="5840983"/>
+              <a:ext cx="1783078" cy="747745"/>
+            </a:xfrm>
+            <a:prstGeom prst="rect">
+              <a:avLst/>
+            </a:prstGeom>
+            <a:solidFill>
+              <a:schemeClr val="tx2">
+                <a:lumMod val="40000"/>
+                <a:lumOff val="60000"/>
+              </a:schemeClr>
+            </a:solidFill>
+            <a:ln>
+              <a:noFill/>
+            </a:ln>
+          </p:spPr>
+          <p:style>
+            <a:lnRef idx="2">
+              <a:schemeClr val="accent1">
+                <a:shade val="50000"/>
+              </a:schemeClr>
+            </a:lnRef>
+            <a:fillRef idx="1">
+              <a:schemeClr val="accent1"/>
+            </a:fillRef>
+            <a:effectRef idx="0">
+              <a:schemeClr val="accent1"/>
+            </a:effectRef>
+            <a:fontRef idx="minor">
+              <a:schemeClr val="lt1"/>
+            </a:fontRef>
+          </p:style>
+          <p:txBody>
+            <a:bodyPr rtlCol="0" anchor="ctr"/>
+            <a:lstStyle/>
+            <a:p>
+              <a:pPr algn="ctr"/>
+              <a:r>
+                <a:rPr lang="pt-BR" dirty="0"/>
+                <a:t>Tx por compra no totem </a:t>
+              </a:r>
+            </a:p>
+          </p:txBody>
+        </p:sp>
         <p:sp>
           <p:nvSpPr>
             <p:cNvPr id="55" name="Retângulo 54">
@@ -4807,14 +4801,16 @@
           </p:nvSpPr>
           <p:spPr>
             <a:xfrm>
-              <a:off x="6644566" y="4224325"/>
+              <a:off x="3079731" y="4752755"/>
               <a:ext cx="1055236" cy="469573"/>
             </a:xfrm>
             <a:prstGeom prst="rect">
               <a:avLst/>
             </a:prstGeom>
             <a:solidFill>
-              <a:srgbClr val="FF0000"/>
+              <a:schemeClr val="accent1">
+                <a:lumMod val="75000"/>
+              </a:schemeClr>
             </a:solidFill>
             <a:ln>
               <a:noFill/>
@@ -4848,59 +4844,59 @@
             </a:p>
           </p:txBody>
         </p:sp>
+        <p:sp>
+          <p:nvSpPr>
+            <p:cNvPr id="1025" name="Retângulo 1024">
+              <a:extLst>
+                <a:ext uri="{FF2B5EF4-FFF2-40B4-BE49-F238E27FC236}">
+                  <a16:creationId xmlns:a16="http://schemas.microsoft.com/office/drawing/2014/main" id="{AB352FB2-EAEC-41B8-B216-9C2156028DD6}"/>
+                </a:ext>
+              </a:extLst>
+            </p:cNvPr>
+            <p:cNvSpPr/>
+            <p:nvPr/>
+          </p:nvSpPr>
+          <p:spPr>
+            <a:xfrm>
+              <a:off x="1073426" y="2783505"/>
+              <a:ext cx="1736035" cy="747745"/>
+            </a:xfrm>
+            <a:prstGeom prst="rect">
+              <a:avLst/>
+            </a:prstGeom>
+            <a:ln>
+              <a:noFill/>
+            </a:ln>
+          </p:spPr>
+          <p:style>
+            <a:lnRef idx="2">
+              <a:schemeClr val="accent1">
+                <a:shade val="50000"/>
+              </a:schemeClr>
+            </a:lnRef>
+            <a:fillRef idx="1">
+              <a:schemeClr val="accent1"/>
+            </a:fillRef>
+            <a:effectRef idx="0">
+              <a:schemeClr val="accent1"/>
+            </a:effectRef>
+            <a:fontRef idx="minor">
+              <a:schemeClr val="lt1"/>
+            </a:fontRef>
+          </p:style>
+          <p:txBody>
+            <a:bodyPr rtlCol="0" anchor="ctr"/>
+            <a:lstStyle/>
+            <a:p>
+              <a:pPr algn="ctr"/>
+              <a:r>
+                <a:rPr lang="pt-BR" dirty="0"/>
+                <a:t>Faculdade</a:t>
+              </a:r>
+            </a:p>
+          </p:txBody>
+        </p:sp>
       </p:grpSp>
-      <p:sp>
-        <p:nvSpPr>
-          <p:cNvPr id="1025" name="Retângulo 1024">
-            <a:extLst>
-              <a:ext uri="{FF2B5EF4-FFF2-40B4-BE49-F238E27FC236}">
-                <a16:creationId xmlns:a16="http://schemas.microsoft.com/office/drawing/2014/main" id="{AB352FB2-EAEC-41B8-B216-9C2156028DD6}"/>
-              </a:ext>
-            </a:extLst>
-          </p:cNvPr>
-          <p:cNvSpPr/>
-          <p:nvPr/>
-        </p:nvSpPr>
-        <p:spPr>
-          <a:xfrm>
-            <a:off x="1073426" y="2783505"/>
-            <a:ext cx="1736035" cy="747745"/>
-          </a:xfrm>
-          <a:prstGeom prst="rect">
-            <a:avLst/>
-          </a:prstGeom>
-          <a:ln>
-            <a:noFill/>
-          </a:ln>
-        </p:spPr>
-        <p:style>
-          <a:lnRef idx="2">
-            <a:schemeClr val="accent1">
-              <a:shade val="50000"/>
-            </a:schemeClr>
-          </a:lnRef>
-          <a:fillRef idx="1">
-            <a:schemeClr val="accent1"/>
-          </a:fillRef>
-          <a:effectRef idx="0">
-            <a:schemeClr val="accent1"/>
-          </a:effectRef>
-          <a:fontRef idx="minor">
-            <a:schemeClr val="lt1"/>
-          </a:fontRef>
-        </p:style>
-        <p:txBody>
-          <a:bodyPr rtlCol="0" anchor="ctr"/>
-          <a:lstStyle/>
-          <a:p>
-            <a:pPr algn="ctr"/>
-            <a:r>
-              <a:rPr lang="pt-BR" dirty="0"/>
-              <a:t>Faculdade</a:t>
-            </a:r>
-          </a:p>
-        </p:txBody>
-      </p:sp>
     </p:spTree>
     <p:extLst>
       <p:ext uri="{BB962C8B-B14F-4D97-AF65-F5344CB8AC3E}">
